--- a/Final_Project/Capstone_Final_Project_Presentation.pptx
+++ b/Final_Project/Capstone_Final_Project_Presentation.pptx
@@ -119,13 +119,18 @@
       </a:defRPr>
     </a:lvl9pPr>
   </p:defaultTextStyle>
+  <p:extLst>
+    <p:ext uri="{EFAFB233-063F-42B5-8137-9DF3F51BA10A}">
+      <p15:sldGuideLst xmlns:p15="http://schemas.microsoft.com/office/powerpoint/2012/main"/>
+    </p:ext>
+  </p:extLst>
 </p:presentation>
 </file>
 
 <file path=ppt/revisionInfo.xml><?xml version="1.0" encoding="utf-8"?>
 <p1510:revInfo xmlns:a="http://schemas.openxmlformats.org/drawingml/2006/main" xmlns:r="http://schemas.openxmlformats.org/officeDocument/2006/relationships" xmlns:p1510="http://schemas.microsoft.com/office/powerpoint/2015/10/main">
   <p1510:revLst>
-    <p1510:client id="{A844F059-3907-4D85-BF73-3514C2772E0F}" v="60" dt="2020-06-06T17:42:58.226"/>
+    <p1510:client id="{A844F059-3907-4D85-BF73-3514C2772E0F}" v="63" dt="2020-06-06T17:53:31.210"/>
   </p1510:revLst>
 </p1510:revInfo>
 </file>
@@ -135,7 +140,7 @@
   <pc:docChgLst>
     <pc:chgData name="Shah, Viral" userId="ce7be612-63d2-47a0-a2a8-23a9eb12c629" providerId="ADAL" clId="{A844F059-3907-4D85-BF73-3514C2772E0F}"/>
     <pc:docChg chg="undo custSel addSld delSld modSld">
-      <pc:chgData name="Shah, Viral" userId="ce7be612-63d2-47a0-a2a8-23a9eb12c629" providerId="ADAL" clId="{A844F059-3907-4D85-BF73-3514C2772E0F}" dt="2020-06-06T17:44:56.510" v="560" actId="27636"/>
+      <pc:chgData name="Shah, Viral" userId="ce7be612-63d2-47a0-a2a8-23a9eb12c629" providerId="ADAL" clId="{A844F059-3907-4D85-BF73-3514C2772E0F}" dt="2020-06-06T17:53:11.553" v="571" actId="313"/>
       <pc:docMkLst>
         <pc:docMk/>
       </pc:docMkLst>
@@ -240,7 +245,7 @@
         </pc:picChg>
       </pc:sldChg>
       <pc:sldChg chg="modSp add">
-        <pc:chgData name="Shah, Viral" userId="ce7be612-63d2-47a0-a2a8-23a9eb12c629" providerId="ADAL" clId="{A844F059-3907-4D85-BF73-3514C2772E0F}" dt="2020-06-06T17:17:31.185" v="111" actId="27636"/>
+        <pc:chgData name="Shah, Viral" userId="ce7be612-63d2-47a0-a2a8-23a9eb12c629" providerId="ADAL" clId="{A844F059-3907-4D85-BF73-3514C2772E0F}" dt="2020-06-06T17:52:25.988" v="567" actId="313"/>
         <pc:sldMkLst>
           <pc:docMk/>
           <pc:sldMk cId="352462011" sldId="262"/>
@@ -254,7 +259,7 @@
           </ac:spMkLst>
         </pc:spChg>
         <pc:spChg chg="mod">
-          <ac:chgData name="Shah, Viral" userId="ce7be612-63d2-47a0-a2a8-23a9eb12c629" providerId="ADAL" clId="{A844F059-3907-4D85-BF73-3514C2772E0F}" dt="2020-06-06T17:17:31.185" v="111" actId="27636"/>
+          <ac:chgData name="Shah, Viral" userId="ce7be612-63d2-47a0-a2a8-23a9eb12c629" providerId="ADAL" clId="{A844F059-3907-4D85-BF73-3514C2772E0F}" dt="2020-06-06T17:52:25.988" v="567" actId="313"/>
           <ac:spMkLst>
             <pc:docMk/>
             <pc:sldMk cId="352462011" sldId="262"/>
@@ -316,7 +321,7 @@
         </pc:sldMkLst>
       </pc:sldChg>
       <pc:sldChg chg="modSp add">
-        <pc:chgData name="Shah, Viral" userId="ce7be612-63d2-47a0-a2a8-23a9eb12c629" providerId="ADAL" clId="{A844F059-3907-4D85-BF73-3514C2772E0F}" dt="2020-06-06T17:25:38.379" v="224" actId="20577"/>
+        <pc:chgData name="Shah, Viral" userId="ce7be612-63d2-47a0-a2a8-23a9eb12c629" providerId="ADAL" clId="{A844F059-3907-4D85-BF73-3514C2772E0F}" dt="2020-06-06T17:52:42.167" v="570" actId="313"/>
         <pc:sldMkLst>
           <pc:docMk/>
           <pc:sldMk cId="4007275234" sldId="264"/>
@@ -330,7 +335,7 @@
           </ac:spMkLst>
         </pc:spChg>
         <pc:spChg chg="mod">
-          <ac:chgData name="Shah, Viral" userId="ce7be612-63d2-47a0-a2a8-23a9eb12c629" providerId="ADAL" clId="{A844F059-3907-4D85-BF73-3514C2772E0F}" dt="2020-06-06T17:25:38.379" v="224" actId="20577"/>
+          <ac:chgData name="Shah, Viral" userId="ce7be612-63d2-47a0-a2a8-23a9eb12c629" providerId="ADAL" clId="{A844F059-3907-4D85-BF73-3514C2772E0F}" dt="2020-06-06T17:52:42.167" v="570" actId="313"/>
           <ac:spMkLst>
             <pc:docMk/>
             <pc:sldMk cId="4007275234" sldId="264"/>
@@ -432,7 +437,7 @@
         </pc:picChg>
       </pc:sldChg>
       <pc:sldChg chg="modSp add">
-        <pc:chgData name="Shah, Viral" userId="ce7be612-63d2-47a0-a2a8-23a9eb12c629" providerId="ADAL" clId="{A844F059-3907-4D85-BF73-3514C2772E0F}" dt="2020-06-06T17:39:49.484" v="496" actId="27636"/>
+        <pc:chgData name="Shah, Viral" userId="ce7be612-63d2-47a0-a2a8-23a9eb12c629" providerId="ADAL" clId="{A844F059-3907-4D85-BF73-3514C2772E0F}" dt="2020-06-06T17:53:11.553" v="571" actId="313"/>
         <pc:sldMkLst>
           <pc:docMk/>
           <pc:sldMk cId="3163790584" sldId="268"/>
@@ -446,7 +451,7 @@
           </ac:spMkLst>
         </pc:spChg>
         <pc:spChg chg="mod">
-          <ac:chgData name="Shah, Viral" userId="ce7be612-63d2-47a0-a2a8-23a9eb12c629" providerId="ADAL" clId="{A844F059-3907-4D85-BF73-3514C2772E0F}" dt="2020-06-06T17:39:49.484" v="496" actId="27636"/>
+          <ac:chgData name="Shah, Viral" userId="ce7be612-63d2-47a0-a2a8-23a9eb12c629" providerId="ADAL" clId="{A844F059-3907-4D85-BF73-3514C2772E0F}" dt="2020-06-06T17:53:11.553" v="571" actId="313"/>
           <ac:spMkLst>
             <pc:docMk/>
             <pc:sldMk cId="3163790584" sldId="268"/>
@@ -517,13 +522,13 @@
         </pc:picChg>
       </pc:sldChg>
       <pc:sldChg chg="modSp add">
-        <pc:chgData name="Shah, Viral" userId="ce7be612-63d2-47a0-a2a8-23a9eb12c629" providerId="ADAL" clId="{A844F059-3907-4D85-BF73-3514C2772E0F}" dt="2020-06-06T17:44:56.510" v="560" actId="27636"/>
+        <pc:chgData name="Shah, Viral" userId="ce7be612-63d2-47a0-a2a8-23a9eb12c629" providerId="ADAL" clId="{A844F059-3907-4D85-BF73-3514C2772E0F}" dt="2020-06-06T17:51:57.009" v="563" actId="313"/>
         <pc:sldMkLst>
           <pc:docMk/>
           <pc:sldMk cId="2036102442" sldId="271"/>
         </pc:sldMkLst>
         <pc:spChg chg="mod">
-          <ac:chgData name="Shah, Viral" userId="ce7be612-63d2-47a0-a2a8-23a9eb12c629" providerId="ADAL" clId="{A844F059-3907-4D85-BF73-3514C2772E0F}" dt="2020-06-06T17:43:08.276" v="525" actId="20577"/>
+          <ac:chgData name="Shah, Viral" userId="ce7be612-63d2-47a0-a2a8-23a9eb12c629" providerId="ADAL" clId="{A844F059-3907-4D85-BF73-3514C2772E0F}" dt="2020-06-06T17:51:57.009" v="563" actId="313"/>
           <ac:spMkLst>
             <pc:docMk/>
             <pc:sldMk cId="2036102442" sldId="271"/>
@@ -4558,15 +4563,7 @@
           <a:p>
             <a:r>
               <a:rPr lang="en-US" dirty="0"/>
-              <a:t>The reasoning being that if the 3 criteria have been met - identifying </a:t>
-            </a:r>
-            <a:r>
-              <a:rPr lang="en-US" dirty="0" err="1"/>
-              <a:t>neighbourhoods</a:t>
-            </a:r>
-            <a:r>
-              <a:rPr lang="en-US" dirty="0"/>
-              <a:t> that are lively with Restaurants, Cafés and Wine Bars - adding Clothing Stores into the mix of stores in the area is a significant bonus. Having some of the same category of stores in the same area - especially in fashion retail - is very desirable as a retailer.</a:t>
+              <a:t>The reasoning being that if the 3 criteria have been met - identifying neighborhoods that are lively with Restaurants, Cafés and Wine Bars - adding Clothing Stores into the mix of stores in the area is a significant bonus. Having some of the same category of stores in the same area - especially in fashion retail - is very desirable as a retailer.</a:t>
             </a:r>
           </a:p>
           <a:p>
@@ -4592,51 +4589,19 @@
           <a:p>
             <a:r>
               <a:rPr lang="fr-FR" b="1" dirty="0"/>
-              <a:t>3eme </a:t>
-            </a:r>
-            <a:r>
-              <a:rPr lang="fr-FR" b="1" dirty="0" err="1"/>
-              <a:t>Ardt</a:t>
-            </a:r>
+              <a:t>3eme Ardt : Arrondissement 3, Temple</a:t>
+            </a:r>
+          </a:p>
+          <a:p>
             <a:r>
               <a:rPr lang="fr-FR" b="1" dirty="0"/>
-              <a:t> : Arrondissement 3, Temple</a:t>
+              <a:t>- 4eme Ardt : Arrondissement 4, Hotel-de-Ville</a:t>
             </a:r>
           </a:p>
           <a:p>
             <a:r>
               <a:rPr lang="fr-FR" b="1" dirty="0"/>
-              <a:t>- 4eme </a:t>
-            </a:r>
-            <a:r>
-              <a:rPr lang="fr-FR" b="1" dirty="0" err="1"/>
-              <a:t>Ardt</a:t>
-            </a:r>
-            <a:r>
-              <a:rPr lang="fr-FR" b="1" dirty="0"/>
-              <a:t> : Arrondissement 4, </a:t>
-            </a:r>
-            <a:r>
-              <a:rPr lang="fr-FR" b="1" dirty="0" err="1"/>
-              <a:t>Hotel</a:t>
-            </a:r>
-            <a:r>
-              <a:rPr lang="fr-FR" b="1" dirty="0"/>
-              <a:t>-de-Ville</a:t>
-            </a:r>
-          </a:p>
-          <a:p>
-            <a:r>
-              <a:rPr lang="fr-FR" b="1" dirty="0"/>
-              <a:t>- 6eme </a:t>
-            </a:r>
-            <a:r>
-              <a:rPr lang="fr-FR" b="1" dirty="0" err="1"/>
-              <a:t>Ardt</a:t>
-            </a:r>
-            <a:r>
-              <a:rPr lang="fr-FR" b="1" dirty="0"/>
-              <a:t> : Arrondissement 6, Luxembourg</a:t>
+              <a:t>- 6eme Ardt : Arrondissement 6, Luxembourg</a:t>
             </a:r>
           </a:p>
           <a:p>
@@ -4887,7 +4852,7 @@
           <a:p>
             <a:r>
               <a:rPr lang="en-US" dirty="0"/>
-              <a:t>CONSLUSIONS		</a:t>
+              <a:t>Conclusions		</a:t>
             </a:r>
           </a:p>
         </p:txBody>
@@ -5652,31 +5617,7 @@
             <a:pPr lvl="1"/>
             <a:r>
               <a:rPr lang="en-US" dirty="0"/>
-              <a:t>Identifying the high traffic areas using data </a:t>
-            </a:r>
-            <a:r>
-              <a:rPr lang="en-US" dirty="0" err="1"/>
-              <a:t>visualisation</a:t>
-            </a:r>
-            <a:r>
-              <a:rPr lang="en-US" dirty="0"/>
-              <a:t> and </a:t>
-            </a:r>
-            <a:r>
-              <a:rPr lang="en-US" dirty="0" err="1"/>
-              <a:t>tatistical</a:t>
-            </a:r>
-            <a:r>
-              <a:rPr lang="en-US" dirty="0"/>
-              <a:t> </a:t>
-            </a:r>
-            <a:r>
-              <a:rPr lang="en-US" dirty="0" err="1"/>
-              <a:t>nalysis</a:t>
-            </a:r>
-            <a:r>
-              <a:rPr lang="en-US" dirty="0"/>
-              <a:t>.</a:t>
+              <a:t>Identifying the high traffic areas using data visualization and statistical analysis.</a:t>
             </a:r>
           </a:p>
           <a:p>
@@ -5710,12 +5651,8 @@
           <a:p>
             <a:pPr lvl="1"/>
             <a:r>
-              <a:rPr lang="en-US" dirty="0" err="1"/>
-              <a:t>Recomendations</a:t>
-            </a:r>
-            <a:r>
               <a:rPr lang="en-US" dirty="0"/>
-              <a:t> and results based on the data analysis.</a:t>
+              <a:t>Recommendations and results based on the data analysis.</a:t>
             </a:r>
           </a:p>
           <a:p>
@@ -5945,15 +5882,7 @@
             <a:pPr lvl="1"/>
             <a:r>
               <a:rPr lang="en-US" dirty="0"/>
-              <a:t>Explore the first district in our </a:t>
-            </a:r>
-            <a:r>
-              <a:rPr lang="en-US" dirty="0" err="1"/>
-              <a:t>dataframe</a:t>
-            </a:r>
-            <a:r>
-              <a:rPr lang="en-US" dirty="0"/>
-              <a:t> to become familiar with the data.</a:t>
+              <a:t>Explore the first district in our data frame to become familiar with the data.</a:t>
             </a:r>
           </a:p>
           <a:p>
@@ -5964,13 +5893,8 @@
             </a:r>
             <a:r>
               <a:rPr lang="en-US" i="1" dirty="0"/>
-              <a:t>3eme </a:t>
-            </a:r>
-            <a:r>
-              <a:rPr lang="en-US" i="1" dirty="0" err="1"/>
-              <a:t>Ardt</a:t>
-            </a:r>
-            <a:endParaRPr lang="en-US" i="1" dirty="0"/>
+              <a:t>3eme Ardt</a:t>
+            </a:r>
           </a:p>
           <a:p>
             <a:pPr lvl="1"/>
@@ -5980,11 +5904,7 @@
             </a:r>
             <a:r>
               <a:rPr lang="en-US" i="1" dirty="0"/>
-              <a:t>3eme </a:t>
-            </a:r>
-            <a:r>
-              <a:rPr lang="en-US" i="1" dirty="0" err="1"/>
-              <a:t>Ardt</a:t>
+              <a:t>3eme Ardt</a:t>
             </a:r>
             <a:r>
               <a:rPr lang="en-US" dirty="0"/>
@@ -6002,13 +5922,8 @@
             <a:pPr lvl="1"/>
             <a:r>
               <a:rPr lang="en-US" dirty="0"/>
-              <a:t>Structure the json file into a pandas </a:t>
-            </a:r>
-            <a:r>
-              <a:rPr lang="en-US" dirty="0" err="1"/>
-              <a:t>dataframe</a:t>
-            </a:r>
-            <a:endParaRPr lang="en-US" dirty="0"/>
+              <a:t>Structure the json file into a pandas data frame</a:t>
+            </a:r>
           </a:p>
           <a:p>
             <a:pPr lvl="1"/>
@@ -6021,23 +5936,11 @@
             <a:pPr lvl="1"/>
             <a:r>
               <a:rPr lang="en-US" dirty="0"/>
-              <a:t>Create a new </a:t>
-            </a:r>
-            <a:r>
-              <a:rPr lang="en-US" dirty="0" err="1"/>
-              <a:t>dataframe</a:t>
-            </a:r>
-            <a:r>
-              <a:rPr lang="en-US" dirty="0"/>
-              <a:t> called for the venues of Paris called </a:t>
-            </a:r>
-            <a:r>
-              <a:rPr lang="en-US" i="1" dirty="0" err="1"/>
-              <a:t>paris</a:t>
+              <a:t>Create a new data frame called for the venues of Paris called </a:t>
             </a:r>
             <a:r>
               <a:rPr lang="en-US" i="1" dirty="0"/>
-              <a:t>-venues</a:t>
+              <a:t>paris-venues</a:t>
             </a:r>
           </a:p>
           <a:p>
@@ -6325,6 +6228,15 @@
 </file>
 
 <file path=customXml/item1.xml><?xml version="1.0" encoding="utf-8"?>
+<?mso-contentType ?>
+<FormTemplates xmlns="http://schemas.microsoft.com/sharepoint/v3/contenttype/forms">
+  <Display>DocumentLibraryForm</Display>
+  <Edit>DocumentLibraryForm</Edit>
+  <New>DocumentLibraryForm</New>
+</FormTemplates>
+</file>
+
+<file path=customXml/item2.xml><?xml version="1.0" encoding="utf-8"?>
 <ct:contentTypeSchema xmlns:ct="http://schemas.microsoft.com/office/2006/metadata/contentType" xmlns:ma="http://schemas.microsoft.com/office/2006/metadata/properties/metaAttributes" ct:_="" ma:_="" ma:contentTypeName="Document" ma:contentTypeID="0x010100E248E43540C26C43AF1000B728CC2F86" ma:contentTypeVersion="10" ma:contentTypeDescription="Create a new document." ma:contentTypeScope="" ma:versionID="11246ba738a5f48825cf8af21bdfedd8">
   <xsd:schema xmlns:xsd="http://www.w3.org/2001/XMLSchema" xmlns:xs="http://www.w3.org/2001/XMLSchema" xmlns:p="http://schemas.microsoft.com/office/2006/metadata/properties" xmlns:ns3="1b4cb06c-7e15-422d-b4d0-0d7da44a25d2" targetNamespace="http://schemas.microsoft.com/office/2006/metadata/properties" ma:root="true" ma:fieldsID="9743bf10aee1fde3e02f4d19f79eb8c0" ns3:_="">
     <xsd:import namespace="1b4cb06c-7e15-422d-b4d0-0d7da44a25d2"/>
@@ -6508,15 +6420,6 @@
 </ct:contentTypeSchema>
 </file>
 
-<file path=customXml/item2.xml><?xml version="1.0" encoding="utf-8"?>
-<?mso-contentType ?>
-<FormTemplates xmlns="http://schemas.microsoft.com/sharepoint/v3/contenttype/forms">
-  <Display>DocumentLibraryForm</Display>
-  <Edit>DocumentLibraryForm</Edit>
-  <New>DocumentLibraryForm</New>
-</FormTemplates>
-</file>
-
 <file path=customXml/item3.xml><?xml version="1.0" encoding="utf-8"?>
 <p:properties xmlns:p="http://schemas.microsoft.com/office/2006/metadata/properties" xmlns:xsi="http://www.w3.org/2001/XMLSchema-instance" xmlns:pc="http://schemas.microsoft.com/office/infopath/2007/PartnerControls">
   <documentManagement/>
@@ -6524,6 +6427,14 @@
 </file>
 
 <file path=customXml/itemProps1.xml><?xml version="1.0" encoding="utf-8"?>
+<ds:datastoreItem xmlns:ds="http://schemas.openxmlformats.org/officeDocument/2006/customXml" ds:itemID="{D98BC9BD-58A4-4E24-A38E-0163F2A149AC}">
+  <ds:schemaRefs>
+    <ds:schemaRef ds:uri="http://schemas.microsoft.com/sharepoint/v3/contenttype/forms"/>
+  </ds:schemaRefs>
+</ds:datastoreItem>
+</file>
+
+<file path=customXml/itemProps2.xml><?xml version="1.0" encoding="utf-8"?>
 <ds:datastoreItem xmlns:ds="http://schemas.openxmlformats.org/officeDocument/2006/customXml" ds:itemID="{1B41BFB6-A483-4A57-9C7C-4E36F37A05FB}">
   <ds:schemaRefs>
     <ds:schemaRef ds:uri="http://schemas.microsoft.com/office/2006/metadata/contentType"/>
@@ -6541,25 +6452,17 @@
 </ds:datastoreItem>
 </file>
 
-<file path=customXml/itemProps2.xml><?xml version="1.0" encoding="utf-8"?>
-<ds:datastoreItem xmlns:ds="http://schemas.openxmlformats.org/officeDocument/2006/customXml" ds:itemID="{D98BC9BD-58A4-4E24-A38E-0163F2A149AC}">
-  <ds:schemaRefs>
-    <ds:schemaRef ds:uri="http://schemas.microsoft.com/sharepoint/v3/contenttype/forms"/>
-  </ds:schemaRefs>
-</ds:datastoreItem>
-</file>
-
 <file path=customXml/itemProps3.xml><?xml version="1.0" encoding="utf-8"?>
 <ds:datastoreItem xmlns:ds="http://schemas.openxmlformats.org/officeDocument/2006/customXml" ds:itemID="{916D0E93-2D33-4456-9E64-9DA6BF10F965}">
   <ds:schemaRefs>
+    <ds:schemaRef ds:uri="http://purl.org/dc/elements/1.1/"/>
+    <ds:schemaRef ds:uri="http://schemas.microsoft.com/office/2006/metadata/properties"/>
     <ds:schemaRef ds:uri="http://purl.org/dc/terms/"/>
+    <ds:schemaRef ds:uri="http://schemas.openxmlformats.org/package/2006/metadata/core-properties"/>
+    <ds:schemaRef ds:uri="http://schemas.microsoft.com/office/2006/documentManagement/types"/>
     <ds:schemaRef ds:uri="http://purl.org/dc/dcmitype/"/>
-    <ds:schemaRef ds:uri="http://schemas.microsoft.com/office/2006/documentManagement/types"/>
-    <ds:schemaRef ds:uri="http://purl.org/dc/elements/1.1/"/>
+    <ds:schemaRef ds:uri="http://schemas.microsoft.com/office/infopath/2007/PartnerControls"/>
     <ds:schemaRef ds:uri="1b4cb06c-7e15-422d-b4d0-0d7da44a25d2"/>
-    <ds:schemaRef ds:uri="http://schemas.microsoft.com/office/infopath/2007/PartnerControls"/>
-    <ds:schemaRef ds:uri="http://schemas.openxmlformats.org/package/2006/metadata/core-properties"/>
-    <ds:schemaRef ds:uri="http://schemas.microsoft.com/office/2006/metadata/properties"/>
     <ds:schemaRef ds:uri="http://www.w3.org/XML/1998/namespace"/>
   </ds:schemaRefs>
 </ds:datastoreItem>
